--- a/lesson9_海龟画笔.pptx
+++ b/lesson9_海龟画笔.pptx
@@ -263,7 +263,7 @@
           <a:p>
             <a:fld id="{1CC2806B-8005-4C2D-AD48-C15DFC3CDA57}" type="datetimeFigureOut">
               <a:rPr lang="zh-CN" altLang="en-US" smtClean="0"/>
-              <a:t>2022/11/25</a:t>
+              <a:t>2022/11/29</a:t>
             </a:fld>
             <a:endParaRPr lang="zh-CN" altLang="en-US"/>
           </a:p>
@@ -461,7 +461,7 @@
           <a:p>
             <a:fld id="{1CC2806B-8005-4C2D-AD48-C15DFC3CDA57}" type="datetimeFigureOut">
               <a:rPr lang="zh-CN" altLang="en-US" smtClean="0"/>
-              <a:t>2022/11/25</a:t>
+              <a:t>2022/11/29</a:t>
             </a:fld>
             <a:endParaRPr lang="zh-CN" altLang="en-US"/>
           </a:p>
@@ -669,7 +669,7 @@
           <a:p>
             <a:fld id="{1CC2806B-8005-4C2D-AD48-C15DFC3CDA57}" type="datetimeFigureOut">
               <a:rPr lang="zh-CN" altLang="en-US" smtClean="0"/>
-              <a:t>2022/11/25</a:t>
+              <a:t>2022/11/29</a:t>
             </a:fld>
             <a:endParaRPr lang="zh-CN" altLang="en-US"/>
           </a:p>
@@ -867,7 +867,7 @@
           <a:p>
             <a:fld id="{1CC2806B-8005-4C2D-AD48-C15DFC3CDA57}" type="datetimeFigureOut">
               <a:rPr lang="zh-CN" altLang="en-US" smtClean="0"/>
-              <a:t>2022/11/25</a:t>
+              <a:t>2022/11/29</a:t>
             </a:fld>
             <a:endParaRPr lang="zh-CN" altLang="en-US"/>
           </a:p>
@@ -1142,7 +1142,7 @@
           <a:p>
             <a:fld id="{1CC2806B-8005-4C2D-AD48-C15DFC3CDA57}" type="datetimeFigureOut">
               <a:rPr lang="zh-CN" altLang="en-US" smtClean="0"/>
-              <a:t>2022/11/25</a:t>
+              <a:t>2022/11/29</a:t>
             </a:fld>
             <a:endParaRPr lang="zh-CN" altLang="en-US"/>
           </a:p>
@@ -1407,7 +1407,7 @@
           <a:p>
             <a:fld id="{1CC2806B-8005-4C2D-AD48-C15DFC3CDA57}" type="datetimeFigureOut">
               <a:rPr lang="zh-CN" altLang="en-US" smtClean="0"/>
-              <a:t>2022/11/25</a:t>
+              <a:t>2022/11/29</a:t>
             </a:fld>
             <a:endParaRPr lang="zh-CN" altLang="en-US"/>
           </a:p>
@@ -1819,7 +1819,7 @@
           <a:p>
             <a:fld id="{1CC2806B-8005-4C2D-AD48-C15DFC3CDA57}" type="datetimeFigureOut">
               <a:rPr lang="zh-CN" altLang="en-US" smtClean="0"/>
-              <a:t>2022/11/25</a:t>
+              <a:t>2022/11/29</a:t>
             </a:fld>
             <a:endParaRPr lang="zh-CN" altLang="en-US"/>
           </a:p>
@@ -1960,7 +1960,7 @@
           <a:p>
             <a:fld id="{1CC2806B-8005-4C2D-AD48-C15DFC3CDA57}" type="datetimeFigureOut">
               <a:rPr lang="zh-CN" altLang="en-US" smtClean="0"/>
-              <a:t>2022/11/25</a:t>
+              <a:t>2022/11/29</a:t>
             </a:fld>
             <a:endParaRPr lang="zh-CN" altLang="en-US"/>
           </a:p>
@@ -2073,7 +2073,7 @@
           <a:p>
             <a:fld id="{1CC2806B-8005-4C2D-AD48-C15DFC3CDA57}" type="datetimeFigureOut">
               <a:rPr lang="zh-CN" altLang="en-US" smtClean="0"/>
-              <a:t>2022/11/25</a:t>
+              <a:t>2022/11/29</a:t>
             </a:fld>
             <a:endParaRPr lang="zh-CN" altLang="en-US"/>
           </a:p>
@@ -2384,7 +2384,7 @@
           <a:p>
             <a:fld id="{1CC2806B-8005-4C2D-AD48-C15DFC3CDA57}" type="datetimeFigureOut">
               <a:rPr lang="zh-CN" altLang="en-US" smtClean="0"/>
-              <a:t>2022/11/25</a:t>
+              <a:t>2022/11/29</a:t>
             </a:fld>
             <a:endParaRPr lang="zh-CN" altLang="en-US"/>
           </a:p>
@@ -2672,7 +2672,7 @@
           <a:p>
             <a:fld id="{1CC2806B-8005-4C2D-AD48-C15DFC3CDA57}" type="datetimeFigureOut">
               <a:rPr lang="zh-CN" altLang="en-US" smtClean="0"/>
-              <a:t>2022/11/25</a:t>
+              <a:t>2022/11/29</a:t>
             </a:fld>
             <a:endParaRPr lang="zh-CN" altLang="en-US"/>
           </a:p>
@@ -2913,7 +2913,7 @@
           <a:p>
             <a:fld id="{1CC2806B-8005-4C2D-AD48-C15DFC3CDA57}" type="datetimeFigureOut">
               <a:rPr lang="zh-CN" altLang="en-US" smtClean="0"/>
-              <a:t>2022/11/25</a:t>
+              <a:t>2022/11/29</a:t>
             </a:fld>
             <a:endParaRPr lang="zh-CN" altLang="en-US"/>
           </a:p>
@@ -3822,8 +3822,28 @@
               <a:t>50</a:t>
             </a:r>
             <a:r>
-              <a:rPr lang="zh-CN" altLang="en-US"/>
+              <a:rPr lang="zh-CN" altLang="en-US" dirty="0"/>
               <a:t>的等边三角形</a:t>
+            </a:r>
+            <a:endParaRPr lang="en-US" altLang="zh-CN" dirty="0"/>
+          </a:p>
+          <a:p>
+            <a:pPr marL="0" indent="0">
+              <a:buNone/>
+            </a:pPr>
+            <a:endParaRPr lang="en-US" altLang="zh-CN" dirty="0"/>
+          </a:p>
+          <a:p>
+            <a:pPr marL="0" indent="0">
+              <a:buNone/>
+            </a:pPr>
+            <a:r>
+              <a:rPr lang="en-US" altLang="zh-CN" dirty="0"/>
+              <a:t>3.</a:t>
+            </a:r>
+            <a:r>
+              <a:rPr lang="zh-CN" altLang="en-US"/>
+              <a:t>画一个房子</a:t>
             </a:r>
             <a:endParaRPr lang="af-ZA" altLang="zh-CN" dirty="0"/>
           </a:p>
